--- a/16_NonParametricTests/16-Roudaut-NonParametric-50min.pptx
+++ b/16_NonParametricTests/16-Roudaut-NonParametric-50min.pptx
@@ -19,10 +19,10 @@
     <p:sldId id="2878" r:id="rId7"/>
     <p:sldId id="2882" r:id="rId8"/>
     <p:sldId id="2884" r:id="rId9"/>
-    <p:sldId id="2904" r:id="rId10"/>
-    <p:sldId id="2885" r:id="rId11"/>
-    <p:sldId id="2886" r:id="rId12"/>
-    <p:sldId id="2887" r:id="rId13"/>
+    <p:sldId id="2885" r:id="rId10"/>
+    <p:sldId id="2886" r:id="rId11"/>
+    <p:sldId id="2887" r:id="rId12"/>
+    <p:sldId id="2904" r:id="rId13"/>
     <p:sldId id="2879" r:id="rId14"/>
     <p:sldId id="2888" r:id="rId15"/>
     <p:sldId id="2889" r:id="rId16"/>
@@ -325,7 +325,7 @@
           <a:p>
             <a:fld id="{5B1BA8E5-86D4-D144-A2D9-B26C383E2FC7}" type="datetimeFigureOut">
               <a:rPr lang="en-US" smtClean="0"/>
-              <a:t>12/4/18</a:t>
+              <a:t>12/6/18</a:t>
             </a:fld>
             <a:endParaRPr lang="en-US"/>
           </a:p>
@@ -1153,7 +1153,7 @@
             <a:fld id="{E91DA07C-0371-AF49-92B1-98B16D460E6C}" type="slidenum">
               <a:rPr lang="en-US" smtClean="0"/>
               <a:pPr/>
-              <a:t>9</a:t>
+              <a:t>12</a:t>
             </a:fld>
             <a:endParaRPr lang="en-US"/>
           </a:p>
@@ -1162,7 +1162,7 @@
     </p:spTree>
     <p:extLst>
       <p:ext uri="{BB962C8B-B14F-4D97-AF65-F5344CB8AC3E}">
-        <p14:creationId xmlns:p14="http://schemas.microsoft.com/office/powerpoint/2010/main" val="4014913026"/>
+        <p14:creationId xmlns:p14="http://schemas.microsoft.com/office/powerpoint/2010/main" val="3907172008"/>
       </p:ext>
     </p:extLst>
   </p:cSld>
@@ -3356,361 +3356,6 @@
           <a:chExt cx="0" cy="0"/>
         </a:xfrm>
       </p:grpSpPr>
-      <p:sp>
-        <p:nvSpPr>
-          <p:cNvPr id="3" name="Content Placeholder 2">
-            <a:extLst>
-              <a:ext uri="{FF2B5EF4-FFF2-40B4-BE49-F238E27FC236}">
-                <a16:creationId xmlns:a16="http://schemas.microsoft.com/office/drawing/2014/main" id="{11182B09-DBBE-E44D-BA03-C815707374C5}"/>
-              </a:ext>
-            </a:extLst>
-          </p:cNvPr>
-          <p:cNvSpPr txBox="1">
-            <a:spLocks/>
-          </p:cNvSpPr>
-          <p:nvPr/>
-        </p:nvSpPr>
-        <p:spPr bwMode="auto">
-          <a:xfrm>
-            <a:off x="495300" y="495300"/>
-            <a:ext cx="8153400" cy="5867400"/>
-          </a:xfrm>
-          <a:prstGeom prst="rect">
-            <a:avLst/>
-          </a:prstGeom>
-          <a:noFill/>
-          <a:ln>
-            <a:noFill/>
-          </a:ln>
-          <a:extLst>
-            <a:ext uri="{909E8E84-426E-40dd-AFC4-6F175D3DCCD1}">
-              <a14:hiddenFill xmlns="" xmlns:a14="http://schemas.microsoft.com/office/drawing/2010/main">
-                <a:solidFill>
-                  <a:srgbClr val="FFFFFF"/>
-                </a:solidFill>
-              </a14:hiddenFill>
-            </a:ext>
-            <a:ext uri="{91240B29-F687-4f45-9708-019B960494DF}">
-              <a14:hiddenLine xmlns="" xmlns:a14="http://schemas.microsoft.com/office/drawing/2010/main" w="9525">
-                <a:solidFill>
-                  <a:srgbClr val="000000"/>
-                </a:solidFill>
-                <a:miter lim="800000"/>
-                <a:headEnd/>
-                <a:tailEnd/>
-              </a14:hiddenLine>
-            </a:ext>
-            <a:ext uri="{FAA26D3D-D897-4be2-8F04-BA451C77F1D7}">
-              <ma14:placeholderFlag xmlns="" xmlns:ma14="http://schemas.microsoft.com/office/mac/drawingml/2011/main" val="1"/>
-            </a:ext>
-          </a:extLst>
-        </p:spPr>
-        <p:txBody>
-          <a:bodyPr vert="horz" wrap="square" lIns="91440" tIns="45720" rIns="91440" bIns="45720" numCol="1" anchor="t" anchorCtr="0" compatLnSpc="1">
-            <a:prstTxWarp prst="textNoShape">
-              <a:avLst/>
-            </a:prstTxWarp>
-          </a:bodyPr>
-          <a:lstStyle>
-            <a:lvl1pPr marL="0" indent="0" algn="l" rtl="0" eaLnBrk="0" fontAlgn="base" hangingPunct="0">
-              <a:spcBef>
-                <a:spcPct val="20000"/>
-              </a:spcBef>
-              <a:spcAft>
-                <a:spcPct val="0"/>
-              </a:spcAft>
-              <a:defRPr sz="2400">
-                <a:solidFill>
-                  <a:srgbClr val="404040"/>
-                </a:solidFill>
-                <a:latin typeface="+mn-lt"/>
-                <a:ea typeface="ＭＳ Ｐゴシック" charset="0"/>
-                <a:cs typeface="+mn-cs"/>
-              </a:defRPr>
-            </a:lvl1pPr>
-            <a:lvl2pPr marL="742950" indent="-285750" algn="l" rtl="0" eaLnBrk="0" fontAlgn="base" hangingPunct="0">
-              <a:spcBef>
-                <a:spcPct val="20000"/>
-              </a:spcBef>
-              <a:spcAft>
-                <a:spcPct val="0"/>
-              </a:spcAft>
-              <a:defRPr sz="2400">
-                <a:solidFill>
-                  <a:srgbClr val="404040"/>
-                </a:solidFill>
-                <a:latin typeface="+mn-lt"/>
-                <a:ea typeface="+mn-ea"/>
-                <a:cs typeface="+mn-cs"/>
-              </a:defRPr>
-            </a:lvl2pPr>
-            <a:lvl3pPr marL="1143000" indent="-228600" algn="l" rtl="0" eaLnBrk="0" fontAlgn="base" hangingPunct="0">
-              <a:spcBef>
-                <a:spcPct val="20000"/>
-              </a:spcBef>
-              <a:spcAft>
-                <a:spcPct val="0"/>
-              </a:spcAft>
-              <a:defRPr sz="2400">
-                <a:solidFill>
-                  <a:srgbClr val="404040"/>
-                </a:solidFill>
-                <a:latin typeface="+mn-lt"/>
-                <a:ea typeface="+mn-ea"/>
-                <a:cs typeface="+mn-cs"/>
-              </a:defRPr>
-            </a:lvl3pPr>
-            <a:lvl4pPr marL="1600200" indent="-228600" algn="l" rtl="0" eaLnBrk="0" fontAlgn="base" hangingPunct="0">
-              <a:spcBef>
-                <a:spcPct val="20000"/>
-              </a:spcBef>
-              <a:spcAft>
-                <a:spcPct val="0"/>
-              </a:spcAft>
-              <a:defRPr sz="2400">
-                <a:solidFill>
-                  <a:srgbClr val="404040"/>
-                </a:solidFill>
-                <a:latin typeface="+mn-lt"/>
-                <a:ea typeface="+mn-ea"/>
-                <a:cs typeface="+mn-cs"/>
-              </a:defRPr>
-            </a:lvl4pPr>
-            <a:lvl5pPr marL="2057400" indent="-228600" algn="l" rtl="0" eaLnBrk="0" fontAlgn="base" hangingPunct="0">
-              <a:spcBef>
-                <a:spcPct val="20000"/>
-              </a:spcBef>
-              <a:spcAft>
-                <a:spcPct val="0"/>
-              </a:spcAft>
-              <a:defRPr sz="2400">
-                <a:solidFill>
-                  <a:srgbClr val="404040"/>
-                </a:solidFill>
-                <a:latin typeface="+mn-lt"/>
-                <a:ea typeface="+mn-ea"/>
-                <a:cs typeface="+mn-cs"/>
-              </a:defRPr>
-            </a:lvl5pPr>
-            <a:lvl6pPr marL="2514600" indent="-228600" algn="l" rtl="0" fontAlgn="base">
-              <a:spcBef>
-                <a:spcPct val="20000"/>
-              </a:spcBef>
-              <a:spcAft>
-                <a:spcPct val="0"/>
-              </a:spcAft>
-              <a:buChar char="»"/>
-              <a:defRPr sz="2000">
-                <a:solidFill>
-                  <a:schemeClr val="tx1"/>
-                </a:solidFill>
-                <a:latin typeface="+mn-lt"/>
-                <a:ea typeface="+mn-ea"/>
-                <a:cs typeface="+mn-cs"/>
-              </a:defRPr>
-            </a:lvl6pPr>
-            <a:lvl7pPr marL="2971800" indent="-228600" algn="l" rtl="0" fontAlgn="base">
-              <a:spcBef>
-                <a:spcPct val="20000"/>
-              </a:spcBef>
-              <a:spcAft>
-                <a:spcPct val="0"/>
-              </a:spcAft>
-              <a:buChar char="»"/>
-              <a:defRPr sz="2000">
-                <a:solidFill>
-                  <a:schemeClr val="tx1"/>
-                </a:solidFill>
-                <a:latin typeface="+mn-lt"/>
-                <a:ea typeface="+mn-ea"/>
-                <a:cs typeface="+mn-cs"/>
-              </a:defRPr>
-            </a:lvl7pPr>
-            <a:lvl8pPr marL="3429000" indent="-228600" algn="l" rtl="0" fontAlgn="base">
-              <a:spcBef>
-                <a:spcPct val="20000"/>
-              </a:spcBef>
-              <a:spcAft>
-                <a:spcPct val="0"/>
-              </a:spcAft>
-              <a:buChar char="»"/>
-              <a:defRPr sz="2000">
-                <a:solidFill>
-                  <a:schemeClr val="tx1"/>
-                </a:solidFill>
-                <a:latin typeface="+mn-lt"/>
-                <a:ea typeface="+mn-ea"/>
-                <a:cs typeface="+mn-cs"/>
-              </a:defRPr>
-            </a:lvl8pPr>
-            <a:lvl9pPr marL="3886200" indent="-228600" algn="l" rtl="0" fontAlgn="base">
-              <a:spcBef>
-                <a:spcPct val="20000"/>
-              </a:spcBef>
-              <a:spcAft>
-                <a:spcPct val="0"/>
-              </a:spcAft>
-              <a:buChar char="»"/>
-              <a:defRPr sz="2000">
-                <a:solidFill>
-                  <a:schemeClr val="tx1"/>
-                </a:solidFill>
-                <a:latin typeface="+mn-lt"/>
-                <a:ea typeface="+mn-ea"/>
-                <a:cs typeface="+mn-cs"/>
-              </a:defRPr>
-            </a:lvl9pPr>
-          </a:lstStyle>
-          <a:p>
-            <a:r>
-              <a:rPr lang="en-US" b="0" dirty="0">
-                <a:latin typeface="Arial" charset="0"/>
-                <a:cs typeface="Arial" charset="0"/>
-              </a:rPr>
-              <a:t>3. we then look in the critical table</a:t>
-            </a:r>
-          </a:p>
-          <a:p>
-            <a:endParaRPr lang="en-US" b="0" dirty="0">
-              <a:latin typeface="Arial" charset="0"/>
-              <a:cs typeface="Arial" charset="0"/>
-            </a:endParaRPr>
-          </a:p>
-          <a:p>
-            <a:endParaRPr lang="en-US" b="0" dirty="0">
-              <a:latin typeface="Arial" charset="0"/>
-              <a:cs typeface="Arial" charset="0"/>
-            </a:endParaRPr>
-          </a:p>
-          <a:p>
-            <a:endParaRPr lang="en-US" b="0" dirty="0">
-              <a:latin typeface="Arial" charset="0"/>
-              <a:cs typeface="Arial" charset="0"/>
-            </a:endParaRPr>
-          </a:p>
-          <a:p>
-            <a:endParaRPr lang="en-US" b="0" dirty="0">
-              <a:latin typeface="Arial" charset="0"/>
-              <a:cs typeface="Arial" charset="0"/>
-            </a:endParaRPr>
-          </a:p>
-          <a:p>
-            <a:endParaRPr lang="en-US" b="0" dirty="0">
-              <a:latin typeface="Arial" charset="0"/>
-              <a:cs typeface="Arial" charset="0"/>
-            </a:endParaRPr>
-          </a:p>
-          <a:p>
-            <a:endParaRPr lang="en-US" b="0" dirty="0">
-              <a:latin typeface="Arial" charset="0"/>
-              <a:cs typeface="Arial" charset="0"/>
-            </a:endParaRPr>
-          </a:p>
-          <a:p>
-            <a:endParaRPr lang="en-US" b="0" dirty="0">
-              <a:latin typeface="Arial" charset="0"/>
-              <a:cs typeface="Arial" charset="0"/>
-            </a:endParaRPr>
-          </a:p>
-          <a:p>
-            <a:endParaRPr lang="en-US" b="0" dirty="0">
-              <a:latin typeface="Arial" charset="0"/>
-              <a:cs typeface="Arial" charset="0"/>
-            </a:endParaRPr>
-          </a:p>
-          <a:p>
-            <a:endParaRPr lang="en-US" b="0" dirty="0">
-              <a:latin typeface="Arial" charset="0"/>
-              <a:cs typeface="Arial" charset="0"/>
-            </a:endParaRPr>
-          </a:p>
-          <a:p>
-            <a:r>
-              <a:rPr lang="en-US" b="0" dirty="0">
-                <a:latin typeface="Arial" charset="0"/>
-                <a:cs typeface="Arial" charset="0"/>
-              </a:rPr>
-              <a:t>rows and columns correspond to the sizes of the smaller and larger samples, respectively.</a:t>
-            </a:r>
-          </a:p>
-          <a:p>
-            <a:pPr algn="r"/>
-            <a:r>
-              <a:rPr lang="en-US" b="0" dirty="0">
-                <a:latin typeface="Arial" charset="0"/>
-                <a:cs typeface="Arial" charset="0"/>
-              </a:rPr>
-              <a:t> … why two values?</a:t>
-            </a:r>
-          </a:p>
-          <a:p>
-            <a:endParaRPr lang="en-US" b="0" dirty="0">
-              <a:latin typeface="Arial" charset="0"/>
-              <a:cs typeface="Arial" charset="0"/>
-            </a:endParaRPr>
-          </a:p>
-        </p:txBody>
-      </p:sp>
-      <p:pic>
-        <p:nvPicPr>
-          <p:cNvPr id="4" name="Picture 3">
-            <a:extLst>
-              <a:ext uri="{FF2B5EF4-FFF2-40B4-BE49-F238E27FC236}">
-                <a16:creationId xmlns:a16="http://schemas.microsoft.com/office/drawing/2014/main" id="{743E6CF8-DDB3-0C4D-8088-5A3B157BB223}"/>
-              </a:ext>
-            </a:extLst>
-          </p:cNvPr>
-          <p:cNvPicPr>
-            <a:picLocks noChangeAspect="1"/>
-          </p:cNvPicPr>
-          <p:nvPr/>
-        </p:nvPicPr>
-        <p:blipFill>
-          <a:blip r:embed="rId2"/>
-          <a:stretch>
-            <a:fillRect/>
-          </a:stretch>
-        </p:blipFill>
-        <p:spPr>
-          <a:xfrm>
-            <a:off x="1463792" y="990600"/>
-            <a:ext cx="6216415" cy="3657600"/>
-          </a:xfrm>
-          <a:prstGeom prst="rect">
-            <a:avLst/>
-          </a:prstGeom>
-        </p:spPr>
-      </p:pic>
-    </p:spTree>
-    <p:extLst>
-      <p:ext uri="{BB962C8B-B14F-4D97-AF65-F5344CB8AC3E}">
-        <p14:creationId xmlns:p14="http://schemas.microsoft.com/office/powerpoint/2010/main" val="3686376839"/>
-      </p:ext>
-    </p:extLst>
-  </p:cSld>
-  <p:clrMapOvr>
-    <a:masterClrMapping/>
-  </p:clrMapOvr>
-</p:sld>
-</file>
-
-<file path=ppt/slides/slide11.xml><?xml version="1.0" encoding="utf-8"?>
-<p:sld xmlns:a="http://schemas.openxmlformats.org/drawingml/2006/main" xmlns:r="http://schemas.openxmlformats.org/officeDocument/2006/relationships" xmlns:p="http://schemas.openxmlformats.org/presentationml/2006/main">
-  <p:cSld>
-    <p:spTree>
-      <p:nvGrpSpPr>
-        <p:cNvPr id="1" name=""/>
-        <p:cNvGrpSpPr/>
-        <p:nvPr/>
-      </p:nvGrpSpPr>
-      <p:grpSpPr>
-        <a:xfrm>
-          <a:off x="0" y="0"/>
-          <a:ext cx="0" cy="0"/>
-          <a:chOff x="0" y="0"/>
-          <a:chExt cx="0" cy="0"/>
-        </a:xfrm>
-      </p:grpSpPr>
       <p:pic>
         <p:nvPicPr>
           <p:cNvPr id="5" name="Picture 4">
@@ -4338,7 +3983,7 @@
 </p:sld>
 </file>
 
-<file path=ppt/slides/slide12.xml><?xml version="1.0" encoding="utf-8"?>
+<file path=ppt/slides/slide11.xml><?xml version="1.0" encoding="utf-8"?>
 <p:sld xmlns:a="http://schemas.openxmlformats.org/drawingml/2006/main" xmlns:r="http://schemas.openxmlformats.org/officeDocument/2006/relationships" xmlns:p="http://schemas.openxmlformats.org/presentationml/2006/main">
   <p:cSld>
     <p:spTree>
@@ -4779,6 +4424,373 @@
     <p:extLst>
       <p:ext uri="{BB962C8B-B14F-4D97-AF65-F5344CB8AC3E}">
         <p14:creationId xmlns:p14="http://schemas.microsoft.com/office/powerpoint/2010/main" val="1421024536"/>
+      </p:ext>
+    </p:extLst>
+  </p:cSld>
+  <p:clrMapOvr>
+    <a:masterClrMapping/>
+  </p:clrMapOvr>
+</p:sld>
+</file>
+
+<file path=ppt/slides/slide12.xml><?xml version="1.0" encoding="utf-8"?>
+<p:sld xmlns:a="http://schemas.openxmlformats.org/drawingml/2006/main" xmlns:r="http://schemas.openxmlformats.org/officeDocument/2006/relationships" xmlns:p="http://schemas.openxmlformats.org/presentationml/2006/main">
+  <p:cSld>
+    <p:spTree>
+      <p:nvGrpSpPr>
+        <p:cNvPr id="1" name=""/>
+        <p:cNvGrpSpPr/>
+        <p:nvPr/>
+      </p:nvGrpSpPr>
+      <p:grpSpPr>
+        <a:xfrm>
+          <a:off x="0" y="0"/>
+          <a:ext cx="0" cy="0"/>
+          <a:chOff x="0" y="0"/>
+          <a:chExt cx="0" cy="0"/>
+        </a:xfrm>
+      </p:grpSpPr>
+      <p:grpSp>
+        <p:nvGrpSpPr>
+          <p:cNvPr id="7" name="Group 6">
+            <a:extLst>
+              <a:ext uri="{FF2B5EF4-FFF2-40B4-BE49-F238E27FC236}">
+                <a16:creationId xmlns:a16="http://schemas.microsoft.com/office/drawing/2014/main" id="{CBA2CD34-E091-5A43-BB93-339D2274C158}"/>
+              </a:ext>
+            </a:extLst>
+          </p:cNvPr>
+          <p:cNvGrpSpPr/>
+          <p:nvPr/>
+        </p:nvGrpSpPr>
+        <p:grpSpPr>
+          <a:xfrm>
+            <a:off x="7772400" y="-258128"/>
+            <a:ext cx="1371600" cy="1630760"/>
+            <a:chOff x="7772400" y="-258128"/>
+            <a:chExt cx="1371600" cy="1630760"/>
+          </a:xfrm>
+        </p:grpSpPr>
+        <p:sp>
+          <p:nvSpPr>
+            <p:cNvPr id="8" name="Right Triangle 7">
+              <a:extLst>
+                <a:ext uri="{FF2B5EF4-FFF2-40B4-BE49-F238E27FC236}">
+                  <a16:creationId xmlns:a16="http://schemas.microsoft.com/office/drawing/2014/main" id="{16EA050A-1BEF-EA40-B079-A53680F854BF}"/>
+                </a:ext>
+              </a:extLst>
+            </p:cNvPr>
+            <p:cNvSpPr/>
+            <p:nvPr/>
+          </p:nvSpPr>
+          <p:spPr bwMode="auto">
+            <a:xfrm rot="10800000">
+              <a:off x="7772400" y="1032"/>
+              <a:ext cx="1371600" cy="1371600"/>
+            </a:xfrm>
+            <a:prstGeom prst="rtTriangle">
+              <a:avLst/>
+            </a:prstGeom>
+            <a:solidFill>
+              <a:srgbClr val="99CC00"/>
+            </a:solidFill>
+            <a:ln w="9525" cap="flat" cmpd="sng" algn="ctr">
+              <a:noFill/>
+              <a:prstDash val="solid"/>
+              <a:round/>
+              <a:headEnd type="none" w="med" len="med"/>
+              <a:tailEnd type="none" w="med" len="med"/>
+            </a:ln>
+            <a:effectLst/>
+          </p:spPr>
+          <p:txBody>
+            <a:bodyPr vert="horz" wrap="square" lIns="91440" tIns="45720" rIns="91440" bIns="45720" numCol="1" rtlCol="0" anchor="t" anchorCtr="0" compatLnSpc="1">
+              <a:prstTxWarp prst="textNoShape">
+                <a:avLst/>
+              </a:prstTxWarp>
+            </a:bodyPr>
+            <a:lstStyle/>
+            <a:p>
+              <a:pPr marL="0" marR="0" indent="0" algn="l" defTabSz="914400" rtl="0" eaLnBrk="1" fontAlgn="base" latinLnBrk="0" hangingPunct="1">
+                <a:lnSpc>
+                  <a:spcPct val="100000"/>
+                </a:lnSpc>
+                <a:spcBef>
+                  <a:spcPct val="0"/>
+                </a:spcBef>
+                <a:spcAft>
+                  <a:spcPct val="0"/>
+                </a:spcAft>
+                <a:buClrTx/>
+                <a:buSzTx/>
+                <a:buFontTx/>
+                <a:buNone/>
+                <a:tabLst/>
+              </a:pPr>
+              <a:endParaRPr kumimoji="0" lang="en-US" sz="1800" b="1" i="0" u="none" strike="noStrike" cap="none" normalizeH="0" baseline="0">
+                <a:ln>
+                  <a:noFill/>
+                </a:ln>
+                <a:solidFill>
+                  <a:schemeClr val="tx1"/>
+                </a:solidFill>
+                <a:effectLst/>
+                <a:latin typeface="Arial" pitchFamily="-112" charset="0"/>
+                <a:ea typeface="Arial" pitchFamily="-112" charset="0"/>
+                <a:cs typeface="Arial" pitchFamily="-112" charset="0"/>
+              </a:endParaRPr>
+            </a:p>
+          </p:txBody>
+        </p:sp>
+        <p:sp>
+          <p:nvSpPr>
+            <p:cNvPr id="9" name="TextBox 8">
+              <a:extLst>
+                <a:ext uri="{FF2B5EF4-FFF2-40B4-BE49-F238E27FC236}">
+                  <a16:creationId xmlns:a16="http://schemas.microsoft.com/office/drawing/2014/main" id="{DAAA1B20-618F-7640-A7F0-50362DFDFC49}"/>
+                </a:ext>
+              </a:extLst>
+            </p:cNvPr>
+            <p:cNvSpPr txBox="1"/>
+            <p:nvPr/>
+          </p:nvSpPr>
+          <p:spPr>
+            <a:xfrm>
+              <a:off x="8229600" y="-258128"/>
+              <a:ext cx="685800" cy="1477328"/>
+            </a:xfrm>
+            <a:prstGeom prst="rect">
+              <a:avLst/>
+            </a:prstGeom>
+            <a:noFill/>
+          </p:spPr>
+          <p:txBody>
+            <a:bodyPr wrap="square" rtlCol="0">
+              <a:spAutoFit/>
+            </a:bodyPr>
+            <a:lstStyle/>
+            <a:p>
+              <a:r>
+                <a:rPr lang="en-US" sz="9000" dirty="0">
+                  <a:solidFill>
+                    <a:schemeClr val="bg1"/>
+                  </a:solidFill>
+                </a:rPr>
+                <a:t>R</a:t>
+              </a:r>
+            </a:p>
+          </p:txBody>
+        </p:sp>
+      </p:grpSp>
+      <p:sp>
+        <p:nvSpPr>
+          <p:cNvPr id="10" name="Rectangle 9">
+            <a:extLst>
+              <a:ext uri="{FF2B5EF4-FFF2-40B4-BE49-F238E27FC236}">
+                <a16:creationId xmlns:a16="http://schemas.microsoft.com/office/drawing/2014/main" id="{B8A05B1B-8A12-7241-81EF-445E66719F01}"/>
+              </a:ext>
+            </a:extLst>
+          </p:cNvPr>
+          <p:cNvSpPr/>
+          <p:nvPr/>
+        </p:nvSpPr>
+        <p:spPr>
+          <a:xfrm>
+            <a:off x="762000" y="733215"/>
+            <a:ext cx="7942847" cy="5632311"/>
+          </a:xfrm>
+          <a:prstGeom prst="rect">
+            <a:avLst/>
+          </a:prstGeom>
+        </p:spPr>
+        <p:txBody>
+          <a:bodyPr wrap="square">
+            <a:spAutoFit/>
+          </a:bodyPr>
+          <a:lstStyle/>
+          <a:p>
+            <a:r>
+              <a:rPr lang="en-GB" sz="2000" b="0" dirty="0">
+                <a:solidFill>
+                  <a:srgbClr val="000000"/>
+                </a:solidFill>
+                <a:latin typeface="Courier" pitchFamily="2" charset="0"/>
+              </a:rPr>
+              <a:t>#</a:t>
+            </a:r>
+            <a:r>
+              <a:rPr lang="en-GB" sz="2000" b="0" dirty="0" err="1">
+                <a:solidFill>
+                  <a:srgbClr val="000000"/>
+                </a:solidFill>
+                <a:latin typeface="Courier" pitchFamily="2" charset="0"/>
+              </a:rPr>
+              <a:t>wilcox.test</a:t>
+            </a:r>
+            <a:r>
+              <a:rPr lang="en-GB" sz="2000" b="0" dirty="0">
+                <a:solidFill>
+                  <a:srgbClr val="000000"/>
+                </a:solidFill>
+                <a:latin typeface="Courier" pitchFamily="2" charset="0"/>
+              </a:rPr>
+              <a:t> do both paired (Mann </a:t>
+            </a:r>
+            <a:r>
+              <a:rPr lang="en-GB" sz="2000" b="0" dirty="0" err="1">
+                <a:solidFill>
+                  <a:srgbClr val="000000"/>
+                </a:solidFill>
+                <a:latin typeface="Courier" pitchFamily="2" charset="0"/>
+              </a:rPr>
+              <a:t>whitney</a:t>
+            </a:r>
+            <a:r>
+              <a:rPr lang="en-GB" sz="2000" b="0" dirty="0">
+                <a:solidFill>
+                  <a:srgbClr val="000000"/>
+                </a:solidFill>
+                <a:latin typeface="Courier" pitchFamily="2" charset="0"/>
+              </a:rPr>
+              <a:t> test) and unpaired, so paired = TRUE would run the Wilcoxon sign rank test, otherwise the Mann Whitney (sometime called Wilcoxon sum rank test)</a:t>
+            </a:r>
+          </a:p>
+          <a:p>
+            <a:endParaRPr lang="en-GB" sz="2000" b="0" dirty="0">
+              <a:solidFill>
+                <a:srgbClr val="000000"/>
+              </a:solidFill>
+              <a:latin typeface="Courier" pitchFamily="2" charset="0"/>
+            </a:endParaRPr>
+          </a:p>
+          <a:p>
+            <a:r>
+              <a:rPr lang="en-GB" sz="2000" b="0" dirty="0">
+                <a:solidFill>
+                  <a:srgbClr val="000000"/>
+                </a:solidFill>
+                <a:latin typeface="Courier" pitchFamily="2" charset="0"/>
+              </a:rPr>
+              <a:t>y1&lt;- c(9,9.50, 9.75, 10,13, 9.50)</a:t>
+            </a:r>
+          </a:p>
+          <a:p>
+            <a:r>
+              <a:rPr lang="en-GB" sz="2000" b="0" dirty="0">
+                <a:solidFill>
+                  <a:srgbClr val="000000"/>
+                </a:solidFill>
+                <a:latin typeface="Courier" pitchFamily="2" charset="0"/>
+              </a:rPr>
+              <a:t>y2&lt;- c(11.50,12,9,11.50,13.25, 13)</a:t>
+            </a:r>
+          </a:p>
+          <a:p>
+            <a:r>
+              <a:rPr lang="en-GB" sz="2000" b="0" dirty="0" err="1">
+                <a:solidFill>
+                  <a:srgbClr val="000000"/>
+                </a:solidFill>
+                <a:latin typeface="Courier" pitchFamily="2" charset="0"/>
+              </a:rPr>
+              <a:t>wilcox.test</a:t>
+            </a:r>
+            <a:r>
+              <a:rPr lang="en-GB" sz="2000" b="0" dirty="0">
+                <a:solidFill>
+                  <a:srgbClr val="000000"/>
+                </a:solidFill>
+                <a:latin typeface="Courier" pitchFamily="2" charset="0"/>
+              </a:rPr>
+              <a:t>(y1,y2,paired=FALSE)</a:t>
+            </a:r>
+          </a:p>
+          <a:p>
+            <a:endParaRPr lang="en-GB" sz="2000" b="0" dirty="0">
+              <a:solidFill>
+                <a:srgbClr val="000000"/>
+              </a:solidFill>
+              <a:latin typeface="Courier" pitchFamily="2" charset="0"/>
+            </a:endParaRPr>
+          </a:p>
+          <a:p>
+            <a:endParaRPr lang="en-GB" sz="2000" b="0" dirty="0">
+              <a:solidFill>
+                <a:srgbClr val="000000"/>
+              </a:solidFill>
+              <a:latin typeface="Courier" pitchFamily="2" charset="0"/>
+            </a:endParaRPr>
+          </a:p>
+          <a:p>
+            <a:r>
+              <a:rPr lang="en-GB" sz="2000" b="0" dirty="0">
+                <a:solidFill>
+                  <a:srgbClr val="99CC00"/>
+                </a:solidFill>
+                <a:latin typeface="Courier" pitchFamily="2" charset="0"/>
+              </a:rPr>
+              <a:t>data:  y1 and y2</a:t>
+            </a:r>
+          </a:p>
+          <a:p>
+            <a:r>
+              <a:rPr lang="en-GB" sz="2000" b="0" dirty="0">
+                <a:solidFill>
+                  <a:srgbClr val="99CC00"/>
+                </a:solidFill>
+                <a:latin typeface="Courier" pitchFamily="2" charset="0"/>
+              </a:rPr>
+              <a:t>W = 9, p-value = 0.1705</a:t>
+            </a:r>
+          </a:p>
+          <a:p>
+            <a:r>
+              <a:rPr lang="en-GB" sz="2000" b="0" dirty="0">
+                <a:solidFill>
+                  <a:srgbClr val="99CC00"/>
+                </a:solidFill>
+                <a:latin typeface="Courier" pitchFamily="2" charset="0"/>
+              </a:rPr>
+              <a:t>alternative hypothesis: true location shift is not equal to 0</a:t>
+            </a:r>
+          </a:p>
+          <a:p>
+            <a:endParaRPr lang="en-GB" sz="2000" b="0" dirty="0">
+              <a:solidFill>
+                <a:srgbClr val="99CC00"/>
+              </a:solidFill>
+              <a:latin typeface="Courier" pitchFamily="2" charset="0"/>
+            </a:endParaRPr>
+          </a:p>
+          <a:p>
+            <a:endParaRPr lang="en-GB" sz="2000" b="0" dirty="0">
+              <a:solidFill>
+                <a:srgbClr val="000000"/>
+              </a:solidFill>
+              <a:latin typeface="Courier" pitchFamily="2" charset="0"/>
+            </a:endParaRPr>
+          </a:p>
+          <a:p>
+            <a:endParaRPr lang="en-GB" sz="2000" b="0" dirty="0">
+              <a:solidFill>
+                <a:srgbClr val="000000"/>
+              </a:solidFill>
+              <a:latin typeface="Courier" pitchFamily="2" charset="0"/>
+            </a:endParaRPr>
+          </a:p>
+          <a:p>
+            <a:endParaRPr lang="en-GB" sz="2000" b="0" dirty="0">
+              <a:solidFill>
+                <a:srgbClr val="000000"/>
+              </a:solidFill>
+              <a:latin typeface="Courier" pitchFamily="2" charset="0"/>
+            </a:endParaRPr>
+          </a:p>
+        </p:txBody>
+      </p:sp>
+    </p:spTree>
+    <p:extLst>
+      <p:ext uri="{BB962C8B-B14F-4D97-AF65-F5344CB8AC3E}">
+        <p14:creationId xmlns:p14="http://schemas.microsoft.com/office/powerpoint/2010/main" val="549358447"/>
       </p:ext>
     </p:extLst>
   </p:cSld>
@@ -13122,7 +13134,7 @@
           <a:p>
             <a:r>
               <a:rPr lang="en-US" b="0" dirty="0"/>
-              <a:t>and as data we will take one set we know well: </a:t>
+              <a:t>one dataset we know well: </a:t>
             </a:r>
             <a:r>
               <a:rPr lang="en-US" dirty="0">
@@ -13139,7 +13151,7 @@
           <a:p>
             <a:r>
               <a:rPr lang="en-US" b="0" dirty="0"/>
-              <a:t>remember we assume the data was normal but it was absolutely not! </a:t>
+              <a:t>remember we assume the data was normal but it was not </a:t>
             </a:r>
           </a:p>
           <a:p>
@@ -33430,7 +33442,7 @@
           <a:p>
             <a:r>
               <a:rPr lang="en-US" b="0" dirty="0"/>
-              <a:t>20 participants were asked to run as fast as possible using two different pairs of shoes. Their speed was collected for each pairs of shoes. Choose the most appropriate procedure to decide which shoes allow participants to run the fastest. Assumption normality is verified but not the assumption of homogeneity.</a:t>
+              <a:t>20 participants were asked to run as fast as possible using two different pairs of shoes. They tested both pairs of shoes and each time their speed was collected. Choose the most appropriate procedure to decide which shoes allow participants to run the fastest. Assumption normality is verified but not the assumption of homogeneity.</a:t>
             </a:r>
           </a:p>
         </p:txBody>
@@ -34638,6 +34650,56 @@
               <a:ea typeface="Arial" pitchFamily="-112" charset="0"/>
               <a:cs typeface="Arial" pitchFamily="-112" charset="0"/>
             </a:endParaRPr>
+          </a:p>
+        </p:txBody>
+      </p:sp>
+      <p:sp>
+        <p:nvSpPr>
+          <p:cNvPr id="7" name="Rectangle 6">
+            <a:extLst>
+              <a:ext uri="{FF2B5EF4-FFF2-40B4-BE49-F238E27FC236}">
+                <a16:creationId xmlns:a16="http://schemas.microsoft.com/office/drawing/2014/main" id="{563C639C-E953-E24A-8B88-0295A419D224}"/>
+              </a:ext>
+            </a:extLst>
+          </p:cNvPr>
+          <p:cNvSpPr/>
+          <p:nvPr/>
+        </p:nvSpPr>
+        <p:spPr>
+          <a:xfrm>
+            <a:off x="3387669" y="3464141"/>
+            <a:ext cx="5211683" cy="646331"/>
+          </a:xfrm>
+          <a:prstGeom prst="rect">
+            <a:avLst/>
+          </a:prstGeom>
+        </p:spPr>
+        <p:txBody>
+          <a:bodyPr wrap="none">
+            <a:spAutoFit/>
+          </a:bodyPr>
+          <a:lstStyle/>
+          <a:p>
+            <a:pPr algn="ctr"/>
+            <a:r>
+              <a:rPr lang="en-US" dirty="0">
+                <a:solidFill>
+                  <a:srgbClr val="99CC00"/>
+                </a:solidFill>
+              </a:rPr>
+              <a:t>Likert scale – special case of ordinal data that</a:t>
+            </a:r>
+          </a:p>
+          <a:p>
+            <a:pPr algn="ctr"/>
+            <a:r>
+              <a:rPr lang="en-US" dirty="0">
+                <a:solidFill>
+                  <a:srgbClr val="99CC00"/>
+                </a:solidFill>
+              </a:rPr>
+              <a:t> can be considered as continuous variable!</a:t>
+            </a:r>
           </a:p>
         </p:txBody>
       </p:sp>
@@ -51596,347 +51658,335 @@
           <a:chExt cx="0" cy="0"/>
         </a:xfrm>
       </p:grpSpPr>
-      <p:grpSp>
-        <p:nvGrpSpPr>
-          <p:cNvPr id="7" name="Group 6">
+      <p:sp>
+        <p:nvSpPr>
+          <p:cNvPr id="3" name="Content Placeholder 2">
             <a:extLst>
               <a:ext uri="{FF2B5EF4-FFF2-40B4-BE49-F238E27FC236}">
-                <a16:creationId xmlns:a16="http://schemas.microsoft.com/office/drawing/2014/main" id="{CBA2CD34-E091-5A43-BB93-339D2274C158}"/>
+                <a16:creationId xmlns:a16="http://schemas.microsoft.com/office/drawing/2014/main" id="{11182B09-DBBE-E44D-BA03-C815707374C5}"/>
               </a:ext>
             </a:extLst>
           </p:cNvPr>
-          <p:cNvGrpSpPr/>
+          <p:cNvSpPr txBox="1">
+            <a:spLocks/>
+          </p:cNvSpPr>
           <p:nvPr/>
-        </p:nvGrpSpPr>
-        <p:grpSpPr>
+        </p:nvSpPr>
+        <p:spPr bwMode="auto">
           <a:xfrm>
-            <a:off x="7772400" y="-258128"/>
-            <a:ext cx="1371600" cy="1630760"/>
-            <a:chOff x="7772400" y="-258128"/>
-            <a:chExt cx="1371600" cy="1630760"/>
+            <a:off x="495300" y="495300"/>
+            <a:ext cx="8153400" cy="5867400"/>
           </a:xfrm>
-        </p:grpSpPr>
-        <p:sp>
-          <p:nvSpPr>
-            <p:cNvPr id="8" name="Right Triangle 7">
-              <a:extLst>
-                <a:ext uri="{FF2B5EF4-FFF2-40B4-BE49-F238E27FC236}">
-                  <a16:creationId xmlns:a16="http://schemas.microsoft.com/office/drawing/2014/main" id="{16EA050A-1BEF-EA40-B079-A53680F854BF}"/>
-                </a:ext>
-              </a:extLst>
-            </p:cNvPr>
-            <p:cNvSpPr/>
-            <p:nvPr/>
-          </p:nvSpPr>
-          <p:spPr bwMode="auto">
-            <a:xfrm rot="10800000">
-              <a:off x="7772400" y="1032"/>
-              <a:ext cx="1371600" cy="1371600"/>
-            </a:xfrm>
-            <a:prstGeom prst="rtTriangle">
+          <a:prstGeom prst="rect">
+            <a:avLst/>
+          </a:prstGeom>
+          <a:noFill/>
+          <a:ln>
+            <a:noFill/>
+          </a:ln>
+          <a:extLst>
+            <a:ext uri="{909E8E84-426E-40dd-AFC4-6F175D3DCCD1}">
+              <a14:hiddenFill xmlns="" xmlns:a14="http://schemas.microsoft.com/office/drawing/2010/main">
+                <a:solidFill>
+                  <a:srgbClr val="FFFFFF"/>
+                </a:solidFill>
+              </a14:hiddenFill>
+            </a:ext>
+            <a:ext uri="{91240B29-F687-4f45-9708-019B960494DF}">
+              <a14:hiddenLine xmlns="" xmlns:a14="http://schemas.microsoft.com/office/drawing/2010/main" w="9525">
+                <a:solidFill>
+                  <a:srgbClr val="000000"/>
+                </a:solidFill>
+                <a:miter lim="800000"/>
+                <a:headEnd/>
+                <a:tailEnd/>
+              </a14:hiddenLine>
+            </a:ext>
+            <a:ext uri="{FAA26D3D-D897-4be2-8F04-BA451C77F1D7}">
+              <ma14:placeholderFlag xmlns="" xmlns:ma14="http://schemas.microsoft.com/office/mac/drawingml/2011/main" val="1"/>
+            </a:ext>
+          </a:extLst>
+        </p:spPr>
+        <p:txBody>
+          <a:bodyPr vert="horz" wrap="square" lIns="91440" tIns="45720" rIns="91440" bIns="45720" numCol="1" anchor="t" anchorCtr="0" compatLnSpc="1">
+            <a:prstTxWarp prst="textNoShape">
               <a:avLst/>
-            </a:prstGeom>
-            <a:solidFill>
-              <a:srgbClr val="99CC00"/>
-            </a:solidFill>
-            <a:ln w="9525" cap="flat" cmpd="sng" algn="ctr">
-              <a:noFill/>
-              <a:prstDash val="solid"/>
-              <a:round/>
-              <a:headEnd type="none" w="med" len="med"/>
-              <a:tailEnd type="none" w="med" len="med"/>
-            </a:ln>
-            <a:effectLst/>
-          </p:spPr>
-          <p:txBody>
-            <a:bodyPr vert="horz" wrap="square" lIns="91440" tIns="45720" rIns="91440" bIns="45720" numCol="1" rtlCol="0" anchor="t" anchorCtr="0" compatLnSpc="1">
-              <a:prstTxWarp prst="textNoShape">
-                <a:avLst/>
-              </a:prstTxWarp>
-            </a:bodyPr>
-            <a:lstStyle/>
-            <a:p>
-              <a:pPr marL="0" marR="0" indent="0" algn="l" defTabSz="914400" rtl="0" eaLnBrk="1" fontAlgn="base" latinLnBrk="0" hangingPunct="1">
-                <a:lnSpc>
-                  <a:spcPct val="100000"/>
-                </a:lnSpc>
-                <a:spcBef>
-                  <a:spcPct val="0"/>
-                </a:spcBef>
-                <a:spcAft>
-                  <a:spcPct val="0"/>
-                </a:spcAft>
-                <a:buClrTx/>
-                <a:buSzTx/>
-                <a:buFontTx/>
-                <a:buNone/>
-                <a:tabLst/>
-              </a:pPr>
-              <a:endParaRPr kumimoji="0" lang="en-US" sz="1800" b="1" i="0" u="none" strike="noStrike" cap="none" normalizeH="0" baseline="0">
-                <a:ln>
-                  <a:noFill/>
-                </a:ln>
+            </a:prstTxWarp>
+          </a:bodyPr>
+          <a:lstStyle>
+            <a:lvl1pPr marL="0" indent="0" algn="l" rtl="0" eaLnBrk="0" fontAlgn="base" hangingPunct="0">
+              <a:spcBef>
+                <a:spcPct val="20000"/>
+              </a:spcBef>
+              <a:spcAft>
+                <a:spcPct val="0"/>
+              </a:spcAft>
+              <a:defRPr sz="2400">
+                <a:solidFill>
+                  <a:srgbClr val="404040"/>
+                </a:solidFill>
+                <a:latin typeface="+mn-lt"/>
+                <a:ea typeface="ＭＳ Ｐゴシック" charset="0"/>
+                <a:cs typeface="+mn-cs"/>
+              </a:defRPr>
+            </a:lvl1pPr>
+            <a:lvl2pPr marL="742950" indent="-285750" algn="l" rtl="0" eaLnBrk="0" fontAlgn="base" hangingPunct="0">
+              <a:spcBef>
+                <a:spcPct val="20000"/>
+              </a:spcBef>
+              <a:spcAft>
+                <a:spcPct val="0"/>
+              </a:spcAft>
+              <a:defRPr sz="2400">
+                <a:solidFill>
+                  <a:srgbClr val="404040"/>
+                </a:solidFill>
+                <a:latin typeface="+mn-lt"/>
+                <a:ea typeface="+mn-ea"/>
+                <a:cs typeface="+mn-cs"/>
+              </a:defRPr>
+            </a:lvl2pPr>
+            <a:lvl3pPr marL="1143000" indent="-228600" algn="l" rtl="0" eaLnBrk="0" fontAlgn="base" hangingPunct="0">
+              <a:spcBef>
+                <a:spcPct val="20000"/>
+              </a:spcBef>
+              <a:spcAft>
+                <a:spcPct val="0"/>
+              </a:spcAft>
+              <a:defRPr sz="2400">
+                <a:solidFill>
+                  <a:srgbClr val="404040"/>
+                </a:solidFill>
+                <a:latin typeface="+mn-lt"/>
+                <a:ea typeface="+mn-ea"/>
+                <a:cs typeface="+mn-cs"/>
+              </a:defRPr>
+            </a:lvl3pPr>
+            <a:lvl4pPr marL="1600200" indent="-228600" algn="l" rtl="0" eaLnBrk="0" fontAlgn="base" hangingPunct="0">
+              <a:spcBef>
+                <a:spcPct val="20000"/>
+              </a:spcBef>
+              <a:spcAft>
+                <a:spcPct val="0"/>
+              </a:spcAft>
+              <a:defRPr sz="2400">
+                <a:solidFill>
+                  <a:srgbClr val="404040"/>
+                </a:solidFill>
+                <a:latin typeface="+mn-lt"/>
+                <a:ea typeface="+mn-ea"/>
+                <a:cs typeface="+mn-cs"/>
+              </a:defRPr>
+            </a:lvl4pPr>
+            <a:lvl5pPr marL="2057400" indent="-228600" algn="l" rtl="0" eaLnBrk="0" fontAlgn="base" hangingPunct="0">
+              <a:spcBef>
+                <a:spcPct val="20000"/>
+              </a:spcBef>
+              <a:spcAft>
+                <a:spcPct val="0"/>
+              </a:spcAft>
+              <a:defRPr sz="2400">
+                <a:solidFill>
+                  <a:srgbClr val="404040"/>
+                </a:solidFill>
+                <a:latin typeface="+mn-lt"/>
+                <a:ea typeface="+mn-ea"/>
+                <a:cs typeface="+mn-cs"/>
+              </a:defRPr>
+            </a:lvl5pPr>
+            <a:lvl6pPr marL="2514600" indent="-228600" algn="l" rtl="0" fontAlgn="base">
+              <a:spcBef>
+                <a:spcPct val="20000"/>
+              </a:spcBef>
+              <a:spcAft>
+                <a:spcPct val="0"/>
+              </a:spcAft>
+              <a:buChar char="»"/>
+              <a:defRPr sz="2000">
                 <a:solidFill>
                   <a:schemeClr val="tx1"/>
                 </a:solidFill>
-                <a:effectLst/>
-                <a:latin typeface="Arial" pitchFamily="-112" charset="0"/>
-                <a:ea typeface="Arial" pitchFamily="-112" charset="0"/>
-                <a:cs typeface="Arial" pitchFamily="-112" charset="0"/>
-              </a:endParaRPr>
-            </a:p>
-          </p:txBody>
-        </p:sp>
-        <p:sp>
-          <p:nvSpPr>
-            <p:cNvPr id="9" name="TextBox 8">
-              <a:extLst>
-                <a:ext uri="{FF2B5EF4-FFF2-40B4-BE49-F238E27FC236}">
-                  <a16:creationId xmlns:a16="http://schemas.microsoft.com/office/drawing/2014/main" id="{DAAA1B20-618F-7640-A7F0-50362DFDFC49}"/>
-                </a:ext>
-              </a:extLst>
-            </p:cNvPr>
-            <p:cNvSpPr txBox="1"/>
-            <p:nvPr/>
-          </p:nvSpPr>
-          <p:spPr>
-            <a:xfrm>
-              <a:off x="8229600" y="-258128"/>
-              <a:ext cx="685800" cy="1477328"/>
-            </a:xfrm>
-            <a:prstGeom prst="rect">
-              <a:avLst/>
-            </a:prstGeom>
-            <a:noFill/>
-          </p:spPr>
-          <p:txBody>
-            <a:bodyPr wrap="square" rtlCol="0">
-              <a:spAutoFit/>
-            </a:bodyPr>
-            <a:lstStyle/>
-            <a:p>
-              <a:r>
-                <a:rPr lang="en-US" sz="9000" dirty="0">
-                  <a:solidFill>
-                    <a:schemeClr val="bg1"/>
-                  </a:solidFill>
-                </a:rPr>
-                <a:t>R</a:t>
-              </a:r>
-            </a:p>
-          </p:txBody>
-        </p:sp>
-      </p:grpSp>
-      <p:sp>
-        <p:nvSpPr>
-          <p:cNvPr id="10" name="Rectangle 9">
+                <a:latin typeface="+mn-lt"/>
+                <a:ea typeface="+mn-ea"/>
+                <a:cs typeface="+mn-cs"/>
+              </a:defRPr>
+            </a:lvl6pPr>
+            <a:lvl7pPr marL="2971800" indent="-228600" algn="l" rtl="0" fontAlgn="base">
+              <a:spcBef>
+                <a:spcPct val="20000"/>
+              </a:spcBef>
+              <a:spcAft>
+                <a:spcPct val="0"/>
+              </a:spcAft>
+              <a:buChar char="»"/>
+              <a:defRPr sz="2000">
+                <a:solidFill>
+                  <a:schemeClr val="tx1"/>
+                </a:solidFill>
+                <a:latin typeface="+mn-lt"/>
+                <a:ea typeface="+mn-ea"/>
+                <a:cs typeface="+mn-cs"/>
+              </a:defRPr>
+            </a:lvl7pPr>
+            <a:lvl8pPr marL="3429000" indent="-228600" algn="l" rtl="0" fontAlgn="base">
+              <a:spcBef>
+                <a:spcPct val="20000"/>
+              </a:spcBef>
+              <a:spcAft>
+                <a:spcPct val="0"/>
+              </a:spcAft>
+              <a:buChar char="»"/>
+              <a:defRPr sz="2000">
+                <a:solidFill>
+                  <a:schemeClr val="tx1"/>
+                </a:solidFill>
+                <a:latin typeface="+mn-lt"/>
+                <a:ea typeface="+mn-ea"/>
+                <a:cs typeface="+mn-cs"/>
+              </a:defRPr>
+            </a:lvl8pPr>
+            <a:lvl9pPr marL="3886200" indent="-228600" algn="l" rtl="0" fontAlgn="base">
+              <a:spcBef>
+                <a:spcPct val="20000"/>
+              </a:spcBef>
+              <a:spcAft>
+                <a:spcPct val="0"/>
+              </a:spcAft>
+              <a:buChar char="»"/>
+              <a:defRPr sz="2000">
+                <a:solidFill>
+                  <a:schemeClr val="tx1"/>
+                </a:solidFill>
+                <a:latin typeface="+mn-lt"/>
+                <a:ea typeface="+mn-ea"/>
+                <a:cs typeface="+mn-cs"/>
+              </a:defRPr>
+            </a:lvl9pPr>
+          </a:lstStyle>
+          <a:p>
+            <a:r>
+              <a:rPr lang="en-US" b="0" dirty="0">
+                <a:latin typeface="Arial" charset="0"/>
+                <a:cs typeface="Arial" charset="0"/>
+              </a:rPr>
+              <a:t>3. we then look in the critical table</a:t>
+            </a:r>
+          </a:p>
+          <a:p>
+            <a:endParaRPr lang="en-US" b="0" dirty="0">
+              <a:latin typeface="Arial" charset="0"/>
+              <a:cs typeface="Arial" charset="0"/>
+            </a:endParaRPr>
+          </a:p>
+          <a:p>
+            <a:endParaRPr lang="en-US" b="0" dirty="0">
+              <a:latin typeface="Arial" charset="0"/>
+              <a:cs typeface="Arial" charset="0"/>
+            </a:endParaRPr>
+          </a:p>
+          <a:p>
+            <a:endParaRPr lang="en-US" b="0" dirty="0">
+              <a:latin typeface="Arial" charset="0"/>
+              <a:cs typeface="Arial" charset="0"/>
+            </a:endParaRPr>
+          </a:p>
+          <a:p>
+            <a:endParaRPr lang="en-US" b="0" dirty="0">
+              <a:latin typeface="Arial" charset="0"/>
+              <a:cs typeface="Arial" charset="0"/>
+            </a:endParaRPr>
+          </a:p>
+          <a:p>
+            <a:endParaRPr lang="en-US" b="0" dirty="0">
+              <a:latin typeface="Arial" charset="0"/>
+              <a:cs typeface="Arial" charset="0"/>
+            </a:endParaRPr>
+          </a:p>
+          <a:p>
+            <a:endParaRPr lang="en-US" b="0" dirty="0">
+              <a:latin typeface="Arial" charset="0"/>
+              <a:cs typeface="Arial" charset="0"/>
+            </a:endParaRPr>
+          </a:p>
+          <a:p>
+            <a:endParaRPr lang="en-US" b="0" dirty="0">
+              <a:latin typeface="Arial" charset="0"/>
+              <a:cs typeface="Arial" charset="0"/>
+            </a:endParaRPr>
+          </a:p>
+          <a:p>
+            <a:endParaRPr lang="en-US" b="0" dirty="0">
+              <a:latin typeface="Arial" charset="0"/>
+              <a:cs typeface="Arial" charset="0"/>
+            </a:endParaRPr>
+          </a:p>
+          <a:p>
+            <a:endParaRPr lang="en-US" b="0" dirty="0">
+              <a:latin typeface="Arial" charset="0"/>
+              <a:cs typeface="Arial" charset="0"/>
+            </a:endParaRPr>
+          </a:p>
+          <a:p>
+            <a:r>
+              <a:rPr lang="en-US" b="0" dirty="0">
+                <a:latin typeface="Arial" charset="0"/>
+                <a:cs typeface="Arial" charset="0"/>
+              </a:rPr>
+              <a:t>rows and columns correspond to the sizes of the smaller and larger samples, respectively.</a:t>
+            </a:r>
+          </a:p>
+          <a:p>
+            <a:pPr algn="r"/>
+            <a:r>
+              <a:rPr lang="en-US" b="0" dirty="0">
+                <a:latin typeface="Arial" charset="0"/>
+                <a:cs typeface="Arial" charset="0"/>
+              </a:rPr>
+              <a:t> … why two values?</a:t>
+            </a:r>
+          </a:p>
+          <a:p>
+            <a:endParaRPr lang="en-US" b="0" dirty="0">
+              <a:latin typeface="Arial" charset="0"/>
+              <a:cs typeface="Arial" charset="0"/>
+            </a:endParaRPr>
+          </a:p>
+        </p:txBody>
+      </p:sp>
+      <p:pic>
+        <p:nvPicPr>
+          <p:cNvPr id="4" name="Picture 3">
             <a:extLst>
               <a:ext uri="{FF2B5EF4-FFF2-40B4-BE49-F238E27FC236}">
-                <a16:creationId xmlns:a16="http://schemas.microsoft.com/office/drawing/2014/main" id="{B8A05B1B-8A12-7241-81EF-445E66719F01}"/>
+                <a16:creationId xmlns:a16="http://schemas.microsoft.com/office/drawing/2014/main" id="{743E6CF8-DDB3-0C4D-8088-5A3B157BB223}"/>
               </a:ext>
             </a:extLst>
           </p:cNvPr>
-          <p:cNvSpPr/>
+          <p:cNvPicPr>
+            <a:picLocks noChangeAspect="1"/>
+          </p:cNvPicPr>
           <p:nvPr/>
-        </p:nvSpPr>
+        </p:nvPicPr>
+        <p:blipFill>
+          <a:blip r:embed="rId2"/>
+          <a:stretch>
+            <a:fillRect/>
+          </a:stretch>
+        </p:blipFill>
         <p:spPr>
           <a:xfrm>
-            <a:off x="762000" y="733215"/>
-            <a:ext cx="7942847" cy="5632311"/>
+            <a:off x="1463792" y="990600"/>
+            <a:ext cx="6216415" cy="3657600"/>
           </a:xfrm>
           <a:prstGeom prst="rect">
             <a:avLst/>
           </a:prstGeom>
         </p:spPr>
-        <p:txBody>
-          <a:bodyPr wrap="square">
-            <a:spAutoFit/>
-          </a:bodyPr>
-          <a:lstStyle/>
-          <a:p>
-            <a:r>
-              <a:rPr lang="en-GB" sz="2000" b="0" dirty="0">
-                <a:solidFill>
-                  <a:srgbClr val="000000"/>
-                </a:solidFill>
-                <a:latin typeface="Courier" pitchFamily="2" charset="0"/>
-              </a:rPr>
-              <a:t>#</a:t>
-            </a:r>
-            <a:r>
-              <a:rPr lang="en-GB" sz="2000" b="0" dirty="0" err="1">
-                <a:solidFill>
-                  <a:srgbClr val="000000"/>
-                </a:solidFill>
-                <a:latin typeface="Courier" pitchFamily="2" charset="0"/>
-              </a:rPr>
-              <a:t>wilcox.test</a:t>
-            </a:r>
-            <a:r>
-              <a:rPr lang="en-GB" sz="2000" b="0" dirty="0">
-                <a:solidFill>
-                  <a:srgbClr val="000000"/>
-                </a:solidFill>
-                <a:latin typeface="Courier" pitchFamily="2" charset="0"/>
-              </a:rPr>
-              <a:t> do both paired (Mann </a:t>
-            </a:r>
-            <a:r>
-              <a:rPr lang="en-GB" sz="2000" b="0" dirty="0" err="1">
-                <a:solidFill>
-                  <a:srgbClr val="000000"/>
-                </a:solidFill>
-                <a:latin typeface="Courier" pitchFamily="2" charset="0"/>
-              </a:rPr>
-              <a:t>whitney</a:t>
-            </a:r>
-            <a:r>
-              <a:rPr lang="en-GB" sz="2000" b="0" dirty="0">
-                <a:solidFill>
-                  <a:srgbClr val="000000"/>
-                </a:solidFill>
-                <a:latin typeface="Courier" pitchFamily="2" charset="0"/>
-              </a:rPr>
-              <a:t> test) and unpaired, so paired = TRUE would run the Wilcoxon sign rank test, otherwise the Mann Whitney (sometime called Wilcoxon sum rank test)</a:t>
-            </a:r>
-          </a:p>
-          <a:p>
-            <a:endParaRPr lang="en-GB" sz="2000" b="0" dirty="0">
-              <a:solidFill>
-                <a:srgbClr val="000000"/>
-              </a:solidFill>
-              <a:latin typeface="Courier" pitchFamily="2" charset="0"/>
-            </a:endParaRPr>
-          </a:p>
-          <a:p>
-            <a:r>
-              <a:rPr lang="en-GB" sz="2000" b="0" dirty="0">
-                <a:solidFill>
-                  <a:srgbClr val="000000"/>
-                </a:solidFill>
-                <a:latin typeface="Courier" pitchFamily="2" charset="0"/>
-              </a:rPr>
-              <a:t>y1&lt;- c(9,9.50, 9.75, 10,13, 9.50)</a:t>
-            </a:r>
-          </a:p>
-          <a:p>
-            <a:r>
-              <a:rPr lang="en-GB" sz="2000" b="0" dirty="0">
-                <a:solidFill>
-                  <a:srgbClr val="000000"/>
-                </a:solidFill>
-                <a:latin typeface="Courier" pitchFamily="2" charset="0"/>
-              </a:rPr>
-              <a:t>y2&lt;- c(11.50,12,9,11.50,13.25, 13)</a:t>
-            </a:r>
-          </a:p>
-          <a:p>
-            <a:r>
-              <a:rPr lang="en-GB" sz="2000" b="0" dirty="0" err="1">
-                <a:solidFill>
-                  <a:srgbClr val="000000"/>
-                </a:solidFill>
-                <a:latin typeface="Courier" pitchFamily="2" charset="0"/>
-              </a:rPr>
-              <a:t>wilcox.test</a:t>
-            </a:r>
-            <a:r>
-              <a:rPr lang="en-GB" sz="2000" b="0" dirty="0">
-                <a:solidFill>
-                  <a:srgbClr val="000000"/>
-                </a:solidFill>
-                <a:latin typeface="Courier" pitchFamily="2" charset="0"/>
-              </a:rPr>
-              <a:t>(y1,y2,paired=FALSE)</a:t>
-            </a:r>
-          </a:p>
-          <a:p>
-            <a:endParaRPr lang="en-GB" sz="2000" b="0" dirty="0">
-              <a:solidFill>
-                <a:srgbClr val="000000"/>
-              </a:solidFill>
-              <a:latin typeface="Courier" pitchFamily="2" charset="0"/>
-            </a:endParaRPr>
-          </a:p>
-          <a:p>
-            <a:endParaRPr lang="en-GB" sz="2000" b="0" dirty="0">
-              <a:solidFill>
-                <a:srgbClr val="000000"/>
-              </a:solidFill>
-              <a:latin typeface="Courier" pitchFamily="2" charset="0"/>
-            </a:endParaRPr>
-          </a:p>
-          <a:p>
-            <a:r>
-              <a:rPr lang="en-GB" sz="2000" b="0" dirty="0">
-                <a:solidFill>
-                  <a:srgbClr val="99CC00"/>
-                </a:solidFill>
-                <a:latin typeface="Courier" pitchFamily="2" charset="0"/>
-              </a:rPr>
-              <a:t>data:  y1 and y2</a:t>
-            </a:r>
-          </a:p>
-          <a:p>
-            <a:r>
-              <a:rPr lang="en-GB" sz="2000" b="0" dirty="0">
-                <a:solidFill>
-                  <a:srgbClr val="99CC00"/>
-                </a:solidFill>
-                <a:latin typeface="Courier" pitchFamily="2" charset="0"/>
-              </a:rPr>
-              <a:t>W = 9, p-value = 0.1705</a:t>
-            </a:r>
-          </a:p>
-          <a:p>
-            <a:r>
-              <a:rPr lang="en-GB" sz="2000" b="0" dirty="0">
-                <a:solidFill>
-                  <a:srgbClr val="99CC00"/>
-                </a:solidFill>
-                <a:latin typeface="Courier" pitchFamily="2" charset="0"/>
-              </a:rPr>
-              <a:t>alternative hypothesis: true location shift is not equal to 0</a:t>
-            </a:r>
-          </a:p>
-          <a:p>
-            <a:endParaRPr lang="en-GB" sz="2000" b="0" dirty="0">
-              <a:solidFill>
-                <a:srgbClr val="99CC00"/>
-              </a:solidFill>
-              <a:latin typeface="Courier" pitchFamily="2" charset="0"/>
-            </a:endParaRPr>
-          </a:p>
-          <a:p>
-            <a:endParaRPr lang="en-GB" sz="2000" b="0" dirty="0">
-              <a:solidFill>
-                <a:srgbClr val="000000"/>
-              </a:solidFill>
-              <a:latin typeface="Courier" pitchFamily="2" charset="0"/>
-            </a:endParaRPr>
-          </a:p>
-          <a:p>
-            <a:endParaRPr lang="en-GB" sz="2000" b="0" dirty="0">
-              <a:solidFill>
-                <a:srgbClr val="000000"/>
-              </a:solidFill>
-              <a:latin typeface="Courier" pitchFamily="2" charset="0"/>
-            </a:endParaRPr>
-          </a:p>
-          <a:p>
-            <a:endParaRPr lang="en-GB" sz="2000" b="0" dirty="0">
-              <a:solidFill>
-                <a:srgbClr val="000000"/>
-              </a:solidFill>
-              <a:latin typeface="Courier" pitchFamily="2" charset="0"/>
-            </a:endParaRPr>
-          </a:p>
-        </p:txBody>
-      </p:sp>
+      </p:pic>
     </p:spTree>
     <p:extLst>
       <p:ext uri="{BB962C8B-B14F-4D97-AF65-F5344CB8AC3E}">
-        <p14:creationId xmlns:p14="http://schemas.microsoft.com/office/powerpoint/2010/main" val="1741950708"/>
+        <p14:creationId xmlns:p14="http://schemas.microsoft.com/office/powerpoint/2010/main" val="3686376839"/>
       </p:ext>
     </p:extLst>
   </p:cSld>
